--- a/RL_Project/project_RL.pptx
+++ b/RL_Project/project_RL.pptx
@@ -13,6 +13,7 @@
     <p:sldId id="259" r:id="rId7"/>
     <p:sldId id="260" r:id="rId8"/>
     <p:sldId id="261" r:id="rId9"/>
+    <p:sldId id="265" r:id="rId10"/>
   </p:sldIdLst>
   <p:sldSz cx="12192000" cy="6858000"/>
   <p:notesSz cx="6858000" cy="9144000"/>
@@ -4504,7 +4505,7 @@
         <p:spPr>
           <a:xfrm>
             <a:off x="501571" y="218661"/>
-            <a:ext cx="4164666" cy="369332"/>
+            <a:ext cx="4308359" cy="369332"/>
           </a:xfrm>
           <a:prstGeom prst="rect">
             <a:avLst/>
@@ -4527,7 +4528,7 @@
             </a:r>
             <a:r>
               <a:rPr lang="fr-FR" dirty="0"/>
-              <a:t> assume QVF affine </a:t>
+              <a:t> assume QVF (affine) </a:t>
             </a:r>
             <a:r>
               <a:rPr lang="fr-FR" dirty="0" err="1"/>
@@ -5187,7 +5188,7 @@
         <p:spPr>
           <a:xfrm>
             <a:off x="12067" y="36086"/>
-            <a:ext cx="4164666" cy="369332"/>
+            <a:ext cx="4308359" cy="369332"/>
           </a:xfrm>
           <a:prstGeom prst="rect">
             <a:avLst/>
@@ -5210,7 +5211,7 @@
             </a:r>
             <a:r>
               <a:rPr lang="fr-FR" dirty="0"/>
-              <a:t> assume QVF affine </a:t>
+              <a:t> assume QVF (affine) </a:t>
             </a:r>
             <a:r>
               <a:rPr lang="fr-FR" dirty="0" err="1"/>
@@ -6052,8 +6053,8 @@
         </p:nvSpPr>
         <p:spPr>
           <a:xfrm>
-            <a:off x="0" y="28660"/>
-            <a:ext cx="4164666" cy="369332"/>
+            <a:off x="0" y="35549"/>
+            <a:ext cx="4308359" cy="369332"/>
           </a:xfrm>
           <a:prstGeom prst="rect">
             <a:avLst/>
@@ -6076,7 +6077,7 @@
             </a:r>
             <a:r>
               <a:rPr lang="fr-FR" dirty="0"/>
-              <a:t> assume QVF affine </a:t>
+              <a:t> assume QVF (affine) </a:t>
             </a:r>
             <a:r>
               <a:rPr lang="fr-FR" dirty="0" err="1"/>
@@ -6963,8 +6964,8 @@
           </a:p>
         </p:txBody>
       </p:sp>
-      <mc:AlternateContent xmlns:mc="http://schemas.openxmlformats.org/markup-compatibility/2006">
-        <mc:Choice xmlns:a14="http://schemas.microsoft.com/office/drawing/2010/main" Requires="a14">
+      <mc:AlternateContent xmlns:mc="http://schemas.openxmlformats.org/markup-compatibility/2006" xmlns:a14="http://schemas.microsoft.com/office/drawing/2010/main">
+        <mc:Choice Requires="a14">
           <p:sp>
             <p:nvSpPr>
               <p:cNvPr id="5" name="ZoneTexte 4">
@@ -7072,7 +7073,7 @@
             </p:txBody>
           </p:sp>
         </mc:Choice>
-        <mc:Fallback>
+        <mc:Fallback xmlns="">
           <p:sp>
             <p:nvSpPr>
               <p:cNvPr id="5" name="ZoneTexte 4">
@@ -7147,8 +7148,8 @@
           </a:prstGeom>
         </p:spPr>
       </p:pic>
-      <mc:AlternateContent xmlns:mc="http://schemas.openxmlformats.org/markup-compatibility/2006">
-        <mc:Choice xmlns:a14="http://schemas.microsoft.com/office/drawing/2010/main" Requires="a14">
+      <mc:AlternateContent xmlns:mc="http://schemas.openxmlformats.org/markup-compatibility/2006" xmlns:a14="http://schemas.microsoft.com/office/drawing/2010/main">
+        <mc:Choice Requires="a14">
           <p:sp>
             <p:nvSpPr>
               <p:cNvPr id="8" name="ZoneTexte 7">
@@ -7280,7 +7281,7 @@
             </p:txBody>
           </p:sp>
         </mc:Choice>
-        <mc:Fallback>
+        <mc:Fallback xmlns="">
           <p:sp>
             <p:nvSpPr>
               <p:cNvPr id="8" name="ZoneTexte 7">
@@ -7325,8 +7326,8 @@
           </p:sp>
         </mc:Fallback>
       </mc:AlternateContent>
-      <mc:AlternateContent xmlns:mc="http://schemas.openxmlformats.org/markup-compatibility/2006">
-        <mc:Choice xmlns:a14="http://schemas.microsoft.com/office/drawing/2010/main" Requires="a14">
+      <mc:AlternateContent xmlns:mc="http://schemas.openxmlformats.org/markup-compatibility/2006" xmlns:a14="http://schemas.microsoft.com/office/drawing/2010/main">
+        <mc:Choice Requires="a14">
           <p:sp>
             <p:nvSpPr>
               <p:cNvPr id="9" name="ZoneTexte 8">
@@ -7458,7 +7459,7 @@
             </p:txBody>
           </p:sp>
         </mc:Choice>
-        <mc:Fallback>
+        <mc:Fallback xmlns="">
           <p:sp>
             <p:nvSpPr>
               <p:cNvPr id="9" name="ZoneTexte 8">
@@ -7533,8 +7534,8 @@
           </a:prstGeom>
         </p:spPr>
       </p:pic>
-      <mc:AlternateContent xmlns:mc="http://schemas.openxmlformats.org/markup-compatibility/2006">
-        <mc:Choice xmlns:a14="http://schemas.microsoft.com/office/drawing/2010/main" Requires="a14">
+      <mc:AlternateContent xmlns:mc="http://schemas.openxmlformats.org/markup-compatibility/2006" xmlns:a14="http://schemas.microsoft.com/office/drawing/2010/main">
+        <mc:Choice Requires="a14">
           <p:sp>
             <p:nvSpPr>
               <p:cNvPr id="11" name="ZoneTexte 10">
@@ -7691,7 +7692,7 @@
             </p:txBody>
           </p:sp>
         </mc:Choice>
-        <mc:Fallback>
+        <mc:Fallback xmlns="">
           <p:sp>
             <p:nvSpPr>
               <p:cNvPr id="11" name="ZoneTexte 10">
@@ -7736,8 +7737,8 @@
           </p:sp>
         </mc:Fallback>
       </mc:AlternateContent>
-      <mc:AlternateContent xmlns:mc="http://schemas.openxmlformats.org/markup-compatibility/2006">
-        <mc:Choice xmlns:a14="http://schemas.microsoft.com/office/drawing/2010/main" Requires="a14">
+      <mc:AlternateContent xmlns:mc="http://schemas.openxmlformats.org/markup-compatibility/2006" xmlns:a14="http://schemas.microsoft.com/office/drawing/2010/main">
+        <mc:Choice Requires="a14">
           <p:sp>
             <p:nvSpPr>
               <p:cNvPr id="12" name="ZoneTexte 11">
@@ -7869,7 +7870,7 @@
             </p:txBody>
           </p:sp>
         </mc:Choice>
-        <mc:Fallback>
+        <mc:Fallback xmlns="">
           <p:sp>
             <p:nvSpPr>
               <p:cNvPr id="12" name="ZoneTexte 11">
@@ -7914,8 +7915,8 @@
           </p:sp>
         </mc:Fallback>
       </mc:AlternateContent>
-      <mc:AlternateContent xmlns:mc="http://schemas.openxmlformats.org/markup-compatibility/2006">
-        <mc:Choice xmlns:a14="http://schemas.microsoft.com/office/drawing/2010/main" Requires="a14">
+      <mc:AlternateContent xmlns:mc="http://schemas.openxmlformats.org/markup-compatibility/2006" xmlns:a14="http://schemas.microsoft.com/office/drawing/2010/main">
+        <mc:Choice Requires="a14">
           <p:sp>
             <p:nvSpPr>
               <p:cNvPr id="13" name="ZoneTexte 12">
@@ -8072,7 +8073,7 @@
             </p:txBody>
           </p:sp>
         </mc:Choice>
-        <mc:Fallback>
+        <mc:Fallback xmlns="">
           <p:sp>
             <p:nvSpPr>
               <p:cNvPr id="13" name="ZoneTexte 12">
@@ -8191,8 +8192,8 @@
           </a:p>
         </p:txBody>
       </p:sp>
-      <mc:AlternateContent xmlns:mc="http://schemas.openxmlformats.org/markup-compatibility/2006">
-        <mc:Choice xmlns:a14="http://schemas.microsoft.com/office/drawing/2010/main" Requires="a14">
+      <mc:AlternateContent xmlns:mc="http://schemas.openxmlformats.org/markup-compatibility/2006" xmlns:a14="http://schemas.microsoft.com/office/drawing/2010/main">
+        <mc:Choice Requires="a14">
           <p:sp>
             <p:nvSpPr>
               <p:cNvPr id="17" name="ZoneTexte 16">
@@ -8221,6 +8222,7 @@
               </a:bodyPr>
               <a:lstStyle/>
               <a:p>
+                <a:pPr/>
                 <a14:m>
                   <m:oMathPara xmlns:m="http://schemas.openxmlformats.org/officeDocument/2006/math">
                     <m:oMathParaPr>
@@ -8349,7 +8351,7 @@
             </p:txBody>
           </p:sp>
         </mc:Choice>
-        <mc:Fallback>
+        <mc:Fallback xmlns="">
           <p:sp>
             <p:nvSpPr>
               <p:cNvPr id="17" name="ZoneTexte 16">
@@ -8494,8 +8496,8 @@
           </a:p>
         </p:txBody>
       </p:sp>
-      <mc:AlternateContent xmlns:mc="http://schemas.openxmlformats.org/markup-compatibility/2006">
-        <mc:Choice xmlns:a14="http://schemas.microsoft.com/office/drawing/2010/main" Requires="a14">
+      <mc:AlternateContent xmlns:mc="http://schemas.openxmlformats.org/markup-compatibility/2006" xmlns:a14="http://schemas.microsoft.com/office/drawing/2010/main">
+        <mc:Choice Requires="a14">
           <p:sp>
             <p:nvSpPr>
               <p:cNvPr id="23" name="ZoneTexte 22">
@@ -8608,7 +8610,6 @@
                 </a:r>
               </a:p>
               <a:p>
-                <a:pPr/>
                 <a:r>
                   <a:rPr lang="fr-FR" dirty="0"/>
                   <a:t>] (</a:t>
@@ -8625,7 +8626,7 @@
             </p:txBody>
           </p:sp>
         </mc:Choice>
-        <mc:Fallback>
+        <mc:Fallback xmlns="">
           <p:sp>
             <p:nvSpPr>
               <p:cNvPr id="23" name="ZoneTexte 22">
@@ -8674,6 +8675,36 @@
     <p:extLst>
       <p:ext uri="{BB962C8B-B14F-4D97-AF65-F5344CB8AC3E}">
         <p14:creationId xmlns:p14="http://schemas.microsoft.com/office/powerpoint/2010/main" val="1638461251"/>
+      </p:ext>
+    </p:extLst>
+  </p:cSld>
+  <p:clrMapOvr>
+    <a:masterClrMapping/>
+  </p:clrMapOvr>
+</p:sld>
+</file>
+
+<file path=ppt/slides/slide9.xml><?xml version="1.0" encoding="utf-8"?>
+<p:sld xmlns:a="http://schemas.openxmlformats.org/drawingml/2006/main" xmlns:r="http://schemas.openxmlformats.org/officeDocument/2006/relationships" xmlns:p="http://schemas.openxmlformats.org/presentationml/2006/main">
+  <p:cSld>
+    <p:spTree>
+      <p:nvGrpSpPr>
+        <p:cNvPr id="1" name=""/>
+        <p:cNvGrpSpPr/>
+        <p:nvPr/>
+      </p:nvGrpSpPr>
+      <p:grpSpPr>
+        <a:xfrm>
+          <a:off x="0" y="0"/>
+          <a:ext cx="0" cy="0"/>
+          <a:chOff x="0" y="0"/>
+          <a:chExt cx="0" cy="0"/>
+        </a:xfrm>
+      </p:grpSpPr>
+    </p:spTree>
+    <p:extLst>
+      <p:ext uri="{BB962C8B-B14F-4D97-AF65-F5344CB8AC3E}">
+        <p14:creationId xmlns:p14="http://schemas.microsoft.com/office/powerpoint/2010/main" val="3566828440"/>
       </p:ext>
     </p:extLst>
   </p:cSld>

--- a/RL_Project/project_RL.pptx
+++ b/RL_Project/project_RL.pptx
@@ -13,7 +13,8 @@
     <p:sldId id="259" r:id="rId7"/>
     <p:sldId id="260" r:id="rId8"/>
     <p:sldId id="261" r:id="rId9"/>
-    <p:sldId id="265" r:id="rId10"/>
+    <p:sldId id="266" r:id="rId10"/>
+    <p:sldId id="265" r:id="rId11"/>
   </p:sldIdLst>
   <p:sldSz cx="12192000" cy="6858000"/>
   <p:notesSz cx="6858000" cy="9144000"/>
@@ -267,7 +268,7 @@
           <a:p>
             <a:fld id="{0C1B0107-88E8-894C-8B54-1BF6169DCBEB}" type="datetimeFigureOut">
               <a:rPr lang="fr-FR" smtClean="0"/>
-              <a:t>09/03/2024</a:t>
+              <a:t>11/03/2024</a:t>
             </a:fld>
             <a:endParaRPr lang="fr-FR"/>
           </a:p>
@@ -465,7 +466,7 @@
           <a:p>
             <a:fld id="{0C1B0107-88E8-894C-8B54-1BF6169DCBEB}" type="datetimeFigureOut">
               <a:rPr lang="fr-FR" smtClean="0"/>
-              <a:t>09/03/2024</a:t>
+              <a:t>11/03/2024</a:t>
             </a:fld>
             <a:endParaRPr lang="fr-FR"/>
           </a:p>
@@ -673,7 +674,7 @@
           <a:p>
             <a:fld id="{0C1B0107-88E8-894C-8B54-1BF6169DCBEB}" type="datetimeFigureOut">
               <a:rPr lang="fr-FR" smtClean="0"/>
-              <a:t>09/03/2024</a:t>
+              <a:t>11/03/2024</a:t>
             </a:fld>
             <a:endParaRPr lang="fr-FR"/>
           </a:p>
@@ -871,7 +872,7 @@
           <a:p>
             <a:fld id="{0C1B0107-88E8-894C-8B54-1BF6169DCBEB}" type="datetimeFigureOut">
               <a:rPr lang="fr-FR" smtClean="0"/>
-              <a:t>09/03/2024</a:t>
+              <a:t>11/03/2024</a:t>
             </a:fld>
             <a:endParaRPr lang="fr-FR"/>
           </a:p>
@@ -1146,7 +1147,7 @@
           <a:p>
             <a:fld id="{0C1B0107-88E8-894C-8B54-1BF6169DCBEB}" type="datetimeFigureOut">
               <a:rPr lang="fr-FR" smtClean="0"/>
-              <a:t>09/03/2024</a:t>
+              <a:t>11/03/2024</a:t>
             </a:fld>
             <a:endParaRPr lang="fr-FR"/>
           </a:p>
@@ -1411,7 +1412,7 @@
           <a:p>
             <a:fld id="{0C1B0107-88E8-894C-8B54-1BF6169DCBEB}" type="datetimeFigureOut">
               <a:rPr lang="fr-FR" smtClean="0"/>
-              <a:t>09/03/2024</a:t>
+              <a:t>11/03/2024</a:t>
             </a:fld>
             <a:endParaRPr lang="fr-FR"/>
           </a:p>
@@ -1823,7 +1824,7 @@
           <a:p>
             <a:fld id="{0C1B0107-88E8-894C-8B54-1BF6169DCBEB}" type="datetimeFigureOut">
               <a:rPr lang="fr-FR" smtClean="0"/>
-              <a:t>09/03/2024</a:t>
+              <a:t>11/03/2024</a:t>
             </a:fld>
             <a:endParaRPr lang="fr-FR"/>
           </a:p>
@@ -1964,7 +1965,7 @@
           <a:p>
             <a:fld id="{0C1B0107-88E8-894C-8B54-1BF6169DCBEB}" type="datetimeFigureOut">
               <a:rPr lang="fr-FR" smtClean="0"/>
-              <a:t>09/03/2024</a:t>
+              <a:t>11/03/2024</a:t>
             </a:fld>
             <a:endParaRPr lang="fr-FR"/>
           </a:p>
@@ -2077,7 +2078,7 @@
           <a:p>
             <a:fld id="{0C1B0107-88E8-894C-8B54-1BF6169DCBEB}" type="datetimeFigureOut">
               <a:rPr lang="fr-FR" smtClean="0"/>
-              <a:t>09/03/2024</a:t>
+              <a:t>11/03/2024</a:t>
             </a:fld>
             <a:endParaRPr lang="fr-FR"/>
           </a:p>
@@ -2388,7 +2389,7 @@
           <a:p>
             <a:fld id="{0C1B0107-88E8-894C-8B54-1BF6169DCBEB}" type="datetimeFigureOut">
               <a:rPr lang="fr-FR" smtClean="0"/>
-              <a:t>09/03/2024</a:t>
+              <a:t>11/03/2024</a:t>
             </a:fld>
             <a:endParaRPr lang="fr-FR"/>
           </a:p>
@@ -2676,7 +2677,7 @@
           <a:p>
             <a:fld id="{0C1B0107-88E8-894C-8B54-1BF6169DCBEB}" type="datetimeFigureOut">
               <a:rPr lang="fr-FR" smtClean="0"/>
-              <a:t>09/03/2024</a:t>
+              <a:t>11/03/2024</a:t>
             </a:fld>
             <a:endParaRPr lang="fr-FR"/>
           </a:p>
@@ -2917,7 +2918,7 @@
           <a:p>
             <a:fld id="{0C1B0107-88E8-894C-8B54-1BF6169DCBEB}" type="datetimeFigureOut">
               <a:rPr lang="fr-FR" smtClean="0"/>
-              <a:t>09/03/2024</a:t>
+              <a:t>11/03/2024</a:t>
             </a:fld>
             <a:endParaRPr lang="fr-FR"/>
           </a:p>
@@ -3373,6 +3374,36 @@
     <p:extLst>
       <p:ext uri="{BB962C8B-B14F-4D97-AF65-F5344CB8AC3E}">
         <p14:creationId xmlns:p14="http://schemas.microsoft.com/office/powerpoint/2010/main" val="200218122"/>
+      </p:ext>
+    </p:extLst>
+  </p:cSld>
+  <p:clrMapOvr>
+    <a:masterClrMapping/>
+  </p:clrMapOvr>
+</p:sld>
+</file>
+
+<file path=ppt/slides/slide10.xml><?xml version="1.0" encoding="utf-8"?>
+<p:sld xmlns:a="http://schemas.openxmlformats.org/drawingml/2006/main" xmlns:r="http://schemas.openxmlformats.org/officeDocument/2006/relationships" xmlns:p="http://schemas.openxmlformats.org/presentationml/2006/main">
+  <p:cSld>
+    <p:spTree>
+      <p:nvGrpSpPr>
+        <p:cNvPr id="1" name=""/>
+        <p:cNvGrpSpPr/>
+        <p:nvPr/>
+      </p:nvGrpSpPr>
+      <p:grpSpPr>
+        <a:xfrm>
+          <a:off x="0" y="0"/>
+          <a:ext cx="0" cy="0"/>
+          <a:chOff x="0" y="0"/>
+          <a:chExt cx="0" cy="0"/>
+        </a:xfrm>
+      </p:grpSpPr>
+    </p:spTree>
+    <p:extLst>
+      <p:ext uri="{BB962C8B-B14F-4D97-AF65-F5344CB8AC3E}">
+        <p14:creationId xmlns:p14="http://schemas.microsoft.com/office/powerpoint/2010/main" val="3566828440"/>
       </p:ext>
     </p:extLst>
   </p:cSld>
@@ -8701,10 +8732,153 @@
           <a:chExt cx="0" cy="0"/>
         </a:xfrm>
       </p:grpSpPr>
+      <p:sp>
+        <p:nvSpPr>
+          <p:cNvPr id="4" name="ZoneTexte 3">
+            <a:extLst>
+              <a:ext uri="{FF2B5EF4-FFF2-40B4-BE49-F238E27FC236}">
+                <a16:creationId xmlns:a16="http://schemas.microsoft.com/office/drawing/2014/main" id="{C8D8D77B-7627-8960-8387-937220E29EAB}"/>
+              </a:ext>
+            </a:extLst>
+          </p:cNvPr>
+          <p:cNvSpPr txBox="1"/>
+          <p:nvPr/>
+        </p:nvSpPr>
+        <p:spPr>
+          <a:xfrm>
+            <a:off x="523367" y="526848"/>
+            <a:ext cx="8996758" cy="646331"/>
+          </a:xfrm>
+          <a:prstGeom prst="rect">
+            <a:avLst/>
+          </a:prstGeom>
+          <a:noFill/>
+        </p:spPr>
+        <p:txBody>
+          <a:bodyPr wrap="none" rtlCol="0">
+            <a:spAutoFit/>
+          </a:bodyPr>
+          <a:lstStyle/>
+          <a:p>
+            <a:r>
+              <a:rPr lang="fr-FR" dirty="0"/>
+              <a:t>An </a:t>
+            </a:r>
+            <a:r>
+              <a:rPr lang="fr-FR" dirty="0" err="1"/>
+              <a:t>idea</a:t>
+            </a:r>
+            <a:r>
+              <a:rPr lang="fr-FR" dirty="0"/>
+              <a:t> : </a:t>
+            </a:r>
+            <a:r>
+              <a:rPr lang="fr-FR" dirty="0" err="1"/>
+              <a:t>predict</a:t>
+            </a:r>
+            <a:r>
+              <a:rPr lang="fr-FR" dirty="0"/>
+              <a:t> V(</a:t>
+            </a:r>
+            <a:r>
+              <a:rPr lang="fr-FR" dirty="0" err="1"/>
+              <a:t>S|always</a:t>
+            </a:r>
+            <a:r>
+              <a:rPr lang="fr-FR" dirty="0"/>
+              <a:t> </a:t>
+            </a:r>
+            <a:r>
+              <a:rPr lang="fr-FR" dirty="0" err="1"/>
+              <a:t>hold</a:t>
+            </a:r>
+            <a:r>
+              <a:rPr lang="fr-FR" dirty="0"/>
+              <a:t>) </a:t>
+            </a:r>
+            <a:r>
+              <a:rPr lang="fr-FR" dirty="0">
+                <a:sym typeface="Wingdings" pitchFamily="2" charset="2"/>
+              </a:rPr>
+              <a:t> </a:t>
+            </a:r>
+            <a:r>
+              <a:rPr lang="fr-FR" dirty="0" err="1">
+                <a:sym typeface="Wingdings" pitchFamily="2" charset="2"/>
+              </a:rPr>
+              <a:t>this</a:t>
+            </a:r>
+            <a:r>
+              <a:rPr lang="fr-FR" dirty="0">
+                <a:sym typeface="Wingdings" pitchFamily="2" charset="2"/>
+              </a:rPr>
+              <a:t> </a:t>
+            </a:r>
+            <a:r>
+              <a:rPr lang="fr-FR" dirty="0" err="1">
+                <a:sym typeface="Wingdings" pitchFamily="2" charset="2"/>
+              </a:rPr>
+              <a:t>would</a:t>
+            </a:r>
+            <a:r>
+              <a:rPr lang="fr-FR" dirty="0">
+                <a:sym typeface="Wingdings" pitchFamily="2" charset="2"/>
+              </a:rPr>
+              <a:t> </a:t>
+            </a:r>
+            <a:r>
+              <a:rPr lang="fr-FR" dirty="0" err="1">
+                <a:sym typeface="Wingdings" pitchFamily="2" charset="2"/>
+              </a:rPr>
+              <a:t>then</a:t>
+            </a:r>
+            <a:r>
+              <a:rPr lang="fr-FR" dirty="0">
+                <a:sym typeface="Wingdings" pitchFamily="2" charset="2"/>
+              </a:rPr>
+              <a:t> </a:t>
+            </a:r>
+            <a:r>
+              <a:rPr lang="fr-FR" dirty="0" err="1">
+                <a:sym typeface="Wingdings" pitchFamily="2" charset="2"/>
+              </a:rPr>
+              <a:t>be</a:t>
+            </a:r>
+            <a:r>
+              <a:rPr lang="fr-FR" dirty="0">
+                <a:sym typeface="Wingdings" pitchFamily="2" charset="2"/>
+              </a:rPr>
+              <a:t> a </a:t>
+            </a:r>
+            <a:r>
+              <a:rPr lang="fr-FR" dirty="0" err="1">
+                <a:sym typeface="Wingdings" pitchFamily="2" charset="2"/>
+              </a:rPr>
+              <a:t>feature</a:t>
+            </a:r>
+            <a:r>
+              <a:rPr lang="fr-FR" dirty="0">
+                <a:sym typeface="Wingdings" pitchFamily="2" charset="2"/>
+              </a:rPr>
+              <a:t> for the control </a:t>
+            </a:r>
+            <a:r>
+              <a:rPr lang="fr-FR" dirty="0" err="1">
+                <a:sym typeface="Wingdings" pitchFamily="2" charset="2"/>
+              </a:rPr>
+              <a:t>algorithm</a:t>
+            </a:r>
+            <a:endParaRPr lang="fr-FR" dirty="0"/>
+          </a:p>
+          <a:p>
+            <a:endParaRPr lang="fr-FR" dirty="0"/>
+          </a:p>
+        </p:txBody>
+      </p:sp>
     </p:spTree>
     <p:extLst>
       <p:ext uri="{BB962C8B-B14F-4D97-AF65-F5344CB8AC3E}">
-        <p14:creationId xmlns:p14="http://schemas.microsoft.com/office/powerpoint/2010/main" val="3566828440"/>
+        <p14:creationId xmlns:p14="http://schemas.microsoft.com/office/powerpoint/2010/main" val="823571711"/>
       </p:ext>
     </p:extLst>
   </p:cSld>

--- a/RL_Project/project_RL.pptx
+++ b/RL_Project/project_RL.pptx
@@ -268,7 +268,7 @@
           <a:p>
             <a:fld id="{0C1B0107-88E8-894C-8B54-1BF6169DCBEB}" type="datetimeFigureOut">
               <a:rPr lang="fr-FR" smtClean="0"/>
-              <a:t>11/03/2024</a:t>
+              <a:t>15/03/2024</a:t>
             </a:fld>
             <a:endParaRPr lang="fr-FR"/>
           </a:p>
@@ -466,7 +466,7 @@
           <a:p>
             <a:fld id="{0C1B0107-88E8-894C-8B54-1BF6169DCBEB}" type="datetimeFigureOut">
               <a:rPr lang="fr-FR" smtClean="0"/>
-              <a:t>11/03/2024</a:t>
+              <a:t>15/03/2024</a:t>
             </a:fld>
             <a:endParaRPr lang="fr-FR"/>
           </a:p>
@@ -674,7 +674,7 @@
           <a:p>
             <a:fld id="{0C1B0107-88E8-894C-8B54-1BF6169DCBEB}" type="datetimeFigureOut">
               <a:rPr lang="fr-FR" smtClean="0"/>
-              <a:t>11/03/2024</a:t>
+              <a:t>15/03/2024</a:t>
             </a:fld>
             <a:endParaRPr lang="fr-FR"/>
           </a:p>
@@ -872,7 +872,7 @@
           <a:p>
             <a:fld id="{0C1B0107-88E8-894C-8B54-1BF6169DCBEB}" type="datetimeFigureOut">
               <a:rPr lang="fr-FR" smtClean="0"/>
-              <a:t>11/03/2024</a:t>
+              <a:t>15/03/2024</a:t>
             </a:fld>
             <a:endParaRPr lang="fr-FR"/>
           </a:p>
@@ -1147,7 +1147,7 @@
           <a:p>
             <a:fld id="{0C1B0107-88E8-894C-8B54-1BF6169DCBEB}" type="datetimeFigureOut">
               <a:rPr lang="fr-FR" smtClean="0"/>
-              <a:t>11/03/2024</a:t>
+              <a:t>15/03/2024</a:t>
             </a:fld>
             <a:endParaRPr lang="fr-FR"/>
           </a:p>
@@ -1412,7 +1412,7 @@
           <a:p>
             <a:fld id="{0C1B0107-88E8-894C-8B54-1BF6169DCBEB}" type="datetimeFigureOut">
               <a:rPr lang="fr-FR" smtClean="0"/>
-              <a:t>11/03/2024</a:t>
+              <a:t>15/03/2024</a:t>
             </a:fld>
             <a:endParaRPr lang="fr-FR"/>
           </a:p>
@@ -1824,7 +1824,7 @@
           <a:p>
             <a:fld id="{0C1B0107-88E8-894C-8B54-1BF6169DCBEB}" type="datetimeFigureOut">
               <a:rPr lang="fr-FR" smtClean="0"/>
-              <a:t>11/03/2024</a:t>
+              <a:t>15/03/2024</a:t>
             </a:fld>
             <a:endParaRPr lang="fr-FR"/>
           </a:p>
@@ -1965,7 +1965,7 @@
           <a:p>
             <a:fld id="{0C1B0107-88E8-894C-8B54-1BF6169DCBEB}" type="datetimeFigureOut">
               <a:rPr lang="fr-FR" smtClean="0"/>
-              <a:t>11/03/2024</a:t>
+              <a:t>15/03/2024</a:t>
             </a:fld>
             <a:endParaRPr lang="fr-FR"/>
           </a:p>
@@ -2078,7 +2078,7 @@
           <a:p>
             <a:fld id="{0C1B0107-88E8-894C-8B54-1BF6169DCBEB}" type="datetimeFigureOut">
               <a:rPr lang="fr-FR" smtClean="0"/>
-              <a:t>11/03/2024</a:t>
+              <a:t>15/03/2024</a:t>
             </a:fld>
             <a:endParaRPr lang="fr-FR"/>
           </a:p>
@@ -2389,7 +2389,7 @@
           <a:p>
             <a:fld id="{0C1B0107-88E8-894C-8B54-1BF6169DCBEB}" type="datetimeFigureOut">
               <a:rPr lang="fr-FR" smtClean="0"/>
-              <a:t>11/03/2024</a:t>
+              <a:t>15/03/2024</a:t>
             </a:fld>
             <a:endParaRPr lang="fr-FR"/>
           </a:p>
@@ -2677,7 +2677,7 @@
           <a:p>
             <a:fld id="{0C1B0107-88E8-894C-8B54-1BF6169DCBEB}" type="datetimeFigureOut">
               <a:rPr lang="fr-FR" smtClean="0"/>
-              <a:t>11/03/2024</a:t>
+              <a:t>15/03/2024</a:t>
             </a:fld>
             <a:endParaRPr lang="fr-FR"/>
           </a:p>
@@ -2918,7 +2918,7 @@
           <a:p>
             <a:fld id="{0C1B0107-88E8-894C-8B54-1BF6169DCBEB}" type="datetimeFigureOut">
               <a:rPr lang="fr-FR" smtClean="0"/>
-              <a:t>11/03/2024</a:t>
+              <a:t>15/03/2024</a:t>
             </a:fld>
             <a:endParaRPr lang="fr-FR"/>
           </a:p>
@@ -5388,8 +5388,8 @@
         </p:nvCxnSpPr>
         <p:spPr>
           <a:xfrm flipV="1">
-            <a:off x="5389723" y="1450410"/>
-            <a:ext cx="3392556" cy="3776184"/>
+            <a:off x="4320426" y="1631405"/>
+            <a:ext cx="5156162" cy="4780281"/>
           </a:xfrm>
           <a:prstGeom prst="line">
             <a:avLst/>
@@ -5430,9 +5430,9 @@
           <p:nvPr/>
         </p:nvCxnSpPr>
         <p:spPr>
-          <a:xfrm flipH="1">
-            <a:off x="1086079" y="4163793"/>
-            <a:ext cx="9812830" cy="0"/>
+          <a:xfrm flipH="1" flipV="1">
+            <a:off x="874290" y="2576108"/>
+            <a:ext cx="9717756" cy="3131022"/>
           </a:xfrm>
           <a:prstGeom prst="line">
             <a:avLst/>
@@ -5479,6 +5479,7 @@
             <a:solidFill>
               <a:srgbClr val="C00000"/>
             </a:solidFill>
+            <a:prstDash val="dash"/>
           </a:ln>
         </p:spPr>
         <p:style>
@@ -5510,7 +5511,7 @@
         </p:nvCxnSpPr>
         <p:spPr>
           <a:xfrm flipV="1">
-            <a:off x="3073906" y="4849592"/>
+            <a:off x="2181266" y="4963999"/>
             <a:ext cx="0" cy="298174"/>
           </a:xfrm>
           <a:prstGeom prst="straightConnector1">
@@ -5549,7 +5550,7 @@
         </p:nvSpPr>
         <p:spPr>
           <a:xfrm>
-            <a:off x="2471403" y="5226594"/>
+            <a:off x="1663225" y="5198196"/>
             <a:ext cx="1102033" cy="369332"/>
           </a:xfrm>
           <a:prstGeom prst="rect">
@@ -5850,7 +5851,7 @@
         <p:spPr>
           <a:xfrm>
             <a:off x="4245538" y="5226594"/>
-            <a:ext cx="1144185" cy="0"/>
+            <a:ext cx="1306520" cy="0"/>
           </a:xfrm>
           <a:prstGeom prst="line">
             <a:avLst/>
@@ -5859,6 +5860,7 @@
             <a:solidFill>
               <a:srgbClr val="C00000"/>
             </a:solidFill>
+            <a:prstDash val="dash"/>
           </a:ln>
         </p:spPr>
         <p:style>
@@ -5953,50 +5955,6 @@
           </a:p>
         </p:txBody>
       </p:sp>
-      <p:cxnSp>
-        <p:nvCxnSpPr>
-          <p:cNvPr id="17" name="Connecteur droit 16">
-            <a:extLst>
-              <a:ext uri="{FF2B5EF4-FFF2-40B4-BE49-F238E27FC236}">
-                <a16:creationId xmlns:a16="http://schemas.microsoft.com/office/drawing/2014/main" id="{0AEF1D8D-7DE2-82EB-4AD2-C2DAD95FF30F}"/>
-              </a:ext>
-            </a:extLst>
-          </p:cNvPr>
-          <p:cNvCxnSpPr>
-            <a:cxnSpLocks/>
-          </p:cNvCxnSpPr>
-          <p:nvPr/>
-        </p:nvCxnSpPr>
-        <p:spPr>
-          <a:xfrm flipV="1">
-            <a:off x="4585724" y="5117245"/>
-            <a:ext cx="900171" cy="1013214"/>
-          </a:xfrm>
-          <a:prstGeom prst="line">
-            <a:avLst/>
-          </a:prstGeom>
-          <a:ln>
-            <a:solidFill>
-              <a:srgbClr val="C00000"/>
-            </a:solidFill>
-            <a:prstDash val="dash"/>
-          </a:ln>
-        </p:spPr>
-        <p:style>
-          <a:lnRef idx="2">
-            <a:schemeClr val="accent1"/>
-          </a:lnRef>
-          <a:fillRef idx="0">
-            <a:schemeClr val="accent1"/>
-          </a:fillRef>
-          <a:effectRef idx="1">
-            <a:schemeClr val="accent1"/>
-          </a:effectRef>
-          <a:fontRef idx="minor">
-            <a:schemeClr val="tx1"/>
-          </a:fontRef>
-        </p:style>
-      </p:cxnSp>
       <p:sp>
         <p:nvSpPr>
           <p:cNvPr id="20" name="ZoneTexte 19">
@@ -6240,49 +6198,6 @@
       </p:sp>
       <p:cxnSp>
         <p:nvCxnSpPr>
-          <p:cNvPr id="11" name="Connecteur droit 10">
-            <a:extLst>
-              <a:ext uri="{FF2B5EF4-FFF2-40B4-BE49-F238E27FC236}">
-                <a16:creationId xmlns:a16="http://schemas.microsoft.com/office/drawing/2014/main" id="{B1901230-ACE8-62A0-DCD6-D7B782948904}"/>
-              </a:ext>
-            </a:extLst>
-          </p:cNvPr>
-          <p:cNvCxnSpPr>
-            <a:cxnSpLocks/>
-          </p:cNvCxnSpPr>
-          <p:nvPr/>
-        </p:nvCxnSpPr>
-        <p:spPr>
-          <a:xfrm flipV="1">
-            <a:off x="8502381" y="1533538"/>
-            <a:ext cx="3392556" cy="3987283"/>
-          </a:xfrm>
-          <a:prstGeom prst="line">
-            <a:avLst/>
-          </a:prstGeom>
-          <a:ln>
-            <a:solidFill>
-              <a:srgbClr val="00B050"/>
-            </a:solidFill>
-          </a:ln>
-        </p:spPr>
-        <p:style>
-          <a:lnRef idx="2">
-            <a:schemeClr val="accent1"/>
-          </a:lnRef>
-          <a:fillRef idx="0">
-            <a:schemeClr val="accent1"/>
-          </a:fillRef>
-          <a:effectRef idx="1">
-            <a:schemeClr val="accent1"/>
-          </a:effectRef>
-          <a:fontRef idx="minor">
-            <a:schemeClr val="tx1"/>
-          </a:fontRef>
-        </p:style>
-      </p:cxnSp>
-      <p:cxnSp>
-        <p:nvCxnSpPr>
           <p:cNvPr id="13" name="Connecteur droit 12">
             <a:extLst>
               <a:ext uri="{FF2B5EF4-FFF2-40B4-BE49-F238E27FC236}">
@@ -6335,8 +6250,8 @@
         </p:nvCxnSpPr>
         <p:spPr>
           <a:xfrm>
-            <a:off x="3809927" y="1614743"/>
-            <a:ext cx="3548269" cy="3906078"/>
+            <a:off x="3409488" y="1358444"/>
+            <a:ext cx="4692454" cy="5207708"/>
           </a:xfrm>
           <a:prstGeom prst="line">
             <a:avLst/>
@@ -6376,7 +6291,7 @@
         </p:nvCxnSpPr>
         <p:spPr>
           <a:xfrm flipV="1">
-            <a:off x="6186564" y="4932720"/>
+            <a:off x="6080546" y="5011741"/>
             <a:ext cx="0" cy="298174"/>
           </a:xfrm>
           <a:prstGeom prst="straightConnector1">
@@ -6415,7 +6330,7 @@
         </p:nvSpPr>
         <p:spPr>
           <a:xfrm>
-            <a:off x="5584061" y="5309722"/>
+            <a:off x="5470059" y="5380104"/>
             <a:ext cx="1251881" cy="369332"/>
           </a:xfrm>
           <a:prstGeom prst="rect">
@@ -6440,51 +6355,12 @@
           </a:p>
         </p:txBody>
       </p:sp>
-      <p:cxnSp>
-        <p:nvCxnSpPr>
-          <p:cNvPr id="25" name="Connecteur droit avec flèche 24">
-            <a:extLst>
-              <a:ext uri="{FF2B5EF4-FFF2-40B4-BE49-F238E27FC236}">
-                <a16:creationId xmlns:a16="http://schemas.microsoft.com/office/drawing/2014/main" id="{E9E36CC3-56E7-22E9-9D6F-96C45AB0F213}"/>
-              </a:ext>
-            </a:extLst>
-          </p:cNvPr>
-          <p:cNvCxnSpPr/>
-          <p:nvPr/>
-        </p:nvCxnSpPr>
-        <p:spPr>
-          <a:xfrm flipV="1">
-            <a:off x="9608938" y="5011548"/>
-            <a:ext cx="0" cy="298174"/>
-          </a:xfrm>
-          <a:prstGeom prst="straightConnector1">
-            <a:avLst/>
-          </a:prstGeom>
-          <a:ln>
-            <a:tailEnd type="triangle"/>
-          </a:ln>
-        </p:spPr>
-        <p:style>
-          <a:lnRef idx="2">
-            <a:schemeClr val="accent1"/>
-          </a:lnRef>
-          <a:fillRef idx="0">
-            <a:schemeClr val="accent1"/>
-          </a:fillRef>
-          <a:effectRef idx="1">
-            <a:schemeClr val="accent1"/>
-          </a:effectRef>
-          <a:fontRef idx="minor">
-            <a:schemeClr val="tx1"/>
-          </a:fontRef>
-        </p:style>
-      </p:cxnSp>
-      <p:sp>
-        <p:nvSpPr>
-          <p:cNvPr id="26" name="ZoneTexte 25">
-            <a:extLst>
-              <a:ext uri="{FF2B5EF4-FFF2-40B4-BE49-F238E27FC236}">
-                <a16:creationId xmlns:a16="http://schemas.microsoft.com/office/drawing/2014/main" id="{EA43765C-4076-1772-6D2A-F21C2B11912C}"/>
+      <p:sp>
+        <p:nvSpPr>
+          <p:cNvPr id="27" name="ZoneTexte 26">
+            <a:extLst>
+              <a:ext uri="{FF2B5EF4-FFF2-40B4-BE49-F238E27FC236}">
+                <a16:creationId xmlns:a16="http://schemas.microsoft.com/office/drawing/2014/main" id="{ECA7BEC2-CF39-4770-71BB-5DC8C0AE4645}"/>
               </a:ext>
             </a:extLst>
           </p:cNvPr>
@@ -6493,8 +6369,8 @@
         </p:nvSpPr>
         <p:spPr>
           <a:xfrm>
-            <a:off x="8897820" y="5375569"/>
-            <a:ext cx="1102033" cy="369332"/>
+            <a:off x="10017319" y="4940583"/>
+            <a:ext cx="1386277" cy="369332"/>
           </a:xfrm>
           <a:prstGeom prst="rect">
             <a:avLst/>
@@ -6509,11 +6385,11 @@
           <a:p>
             <a:r>
               <a:rPr lang="fr-FR" dirty="0"/>
-              <a:t>Stop </a:t>
+              <a:t>Value of </a:t>
             </a:r>
             <a:r>
               <a:rPr lang="fr-FR" dirty="0" err="1"/>
-              <a:t>loss</a:t>
+              <a:t>S_t</a:t>
             </a:r>
             <a:endParaRPr lang="fr-FR" dirty="0"/>
           </a:p>
@@ -6521,10 +6397,10 @@
       </p:sp>
       <p:sp>
         <p:nvSpPr>
-          <p:cNvPr id="27" name="ZoneTexte 26">
-            <a:extLst>
-              <a:ext uri="{FF2B5EF4-FFF2-40B4-BE49-F238E27FC236}">
-                <a16:creationId xmlns:a16="http://schemas.microsoft.com/office/drawing/2014/main" id="{ECA7BEC2-CF39-4770-71BB-5DC8C0AE4645}"/>
+          <p:cNvPr id="28" name="ZoneTexte 27">
+            <a:extLst>
+              <a:ext uri="{FF2B5EF4-FFF2-40B4-BE49-F238E27FC236}">
+                <a16:creationId xmlns:a16="http://schemas.microsoft.com/office/drawing/2014/main" id="{8713B808-3E5F-F591-78B2-58DE7B651AEA}"/>
               </a:ext>
             </a:extLst>
           </p:cNvPr>
@@ -6533,8 +6409,8 @@
         </p:nvSpPr>
         <p:spPr>
           <a:xfrm>
-            <a:off x="10017319" y="4940583"/>
-            <a:ext cx="1386277" cy="369332"/>
+            <a:off x="911232" y="2705564"/>
+            <a:ext cx="352982" cy="369332"/>
           </a:xfrm>
           <a:prstGeom prst="rect">
             <a:avLst/>
@@ -6549,22 +6425,17 @@
           <a:p>
             <a:r>
               <a:rPr lang="fr-FR" dirty="0"/>
-              <a:t>Value of </a:t>
-            </a:r>
-            <a:r>
-              <a:rPr lang="fr-FR" dirty="0" err="1"/>
-              <a:t>S_t</a:t>
-            </a:r>
-            <a:endParaRPr lang="fr-FR" dirty="0"/>
-          </a:p>
-        </p:txBody>
-      </p:sp>
-      <p:sp>
-        <p:nvSpPr>
-          <p:cNvPr id="28" name="ZoneTexte 27">
-            <a:extLst>
-              <a:ext uri="{FF2B5EF4-FFF2-40B4-BE49-F238E27FC236}">
-                <a16:creationId xmlns:a16="http://schemas.microsoft.com/office/drawing/2014/main" id="{8713B808-3E5F-F591-78B2-58DE7B651AEA}"/>
+              <a:t>Q</a:t>
+            </a:r>
+          </a:p>
+        </p:txBody>
+      </p:sp>
+      <p:sp>
+        <p:nvSpPr>
+          <p:cNvPr id="30" name="ZoneTexte 29">
+            <a:extLst>
+              <a:ext uri="{FF2B5EF4-FFF2-40B4-BE49-F238E27FC236}">
+                <a16:creationId xmlns:a16="http://schemas.microsoft.com/office/drawing/2014/main" id="{C118201C-8410-D5D5-8959-45F4E4A0B65E}"/>
               </a:ext>
             </a:extLst>
           </p:cNvPr>
@@ -6573,8 +6444,8 @@
         </p:nvSpPr>
         <p:spPr>
           <a:xfrm>
-            <a:off x="911232" y="2705564"/>
-            <a:ext cx="352982" cy="369332"/>
+            <a:off x="7826446" y="3877589"/>
+            <a:ext cx="554960" cy="369332"/>
           </a:xfrm>
           <a:prstGeom prst="rect">
             <a:avLst/>
@@ -6589,17 +6460,17 @@
           <a:p>
             <a:r>
               <a:rPr lang="fr-FR" dirty="0"/>
-              <a:t>Q</a:t>
-            </a:r>
-          </a:p>
-        </p:txBody>
-      </p:sp>
-      <p:sp>
-        <p:nvSpPr>
-          <p:cNvPr id="29" name="ZoneTexte 28">
-            <a:extLst>
-              <a:ext uri="{FF2B5EF4-FFF2-40B4-BE49-F238E27FC236}">
-                <a16:creationId xmlns:a16="http://schemas.microsoft.com/office/drawing/2014/main" id="{75EBD786-0AFE-5290-869B-2B89F3E2018B}"/>
+              <a:t>a=0</a:t>
+            </a:r>
+          </a:p>
+        </p:txBody>
+      </p:sp>
+      <p:sp>
+        <p:nvSpPr>
+          <p:cNvPr id="31" name="ZoneTexte 30">
+            <a:extLst>
+              <a:ext uri="{FF2B5EF4-FFF2-40B4-BE49-F238E27FC236}">
+                <a16:creationId xmlns:a16="http://schemas.microsoft.com/office/drawing/2014/main" id="{11EFD4C6-9925-F620-E8B6-7C01DE056514}"/>
               </a:ext>
             </a:extLst>
           </p:cNvPr>
@@ -6608,7 +6479,7 @@
         </p:nvSpPr>
         <p:spPr>
           <a:xfrm>
-            <a:off x="10440511" y="2354420"/>
+            <a:off x="4898993" y="2408294"/>
             <a:ext cx="554960" cy="369332"/>
           </a:xfrm>
           <a:prstGeom prst="rect">
@@ -6629,119 +6500,6 @@
           </a:p>
         </p:txBody>
       </p:sp>
-      <p:sp>
-        <p:nvSpPr>
-          <p:cNvPr id="30" name="ZoneTexte 29">
-            <a:extLst>
-              <a:ext uri="{FF2B5EF4-FFF2-40B4-BE49-F238E27FC236}">
-                <a16:creationId xmlns:a16="http://schemas.microsoft.com/office/drawing/2014/main" id="{C118201C-8410-D5D5-8959-45F4E4A0B65E}"/>
-              </a:ext>
-            </a:extLst>
-          </p:cNvPr>
-          <p:cNvSpPr txBox="1"/>
-          <p:nvPr/>
-        </p:nvSpPr>
-        <p:spPr>
-          <a:xfrm>
-            <a:off x="7826446" y="3877589"/>
-            <a:ext cx="554960" cy="369332"/>
-          </a:xfrm>
-          <a:prstGeom prst="rect">
-            <a:avLst/>
-          </a:prstGeom>
-          <a:noFill/>
-        </p:spPr>
-        <p:txBody>
-          <a:bodyPr wrap="none" rtlCol="0">
-            <a:spAutoFit/>
-          </a:bodyPr>
-          <a:lstStyle/>
-          <a:p>
-            <a:r>
-              <a:rPr lang="fr-FR" dirty="0"/>
-              <a:t>a=0</a:t>
-            </a:r>
-          </a:p>
-        </p:txBody>
-      </p:sp>
-      <p:sp>
-        <p:nvSpPr>
-          <p:cNvPr id="31" name="ZoneTexte 30">
-            <a:extLst>
-              <a:ext uri="{FF2B5EF4-FFF2-40B4-BE49-F238E27FC236}">
-                <a16:creationId xmlns:a16="http://schemas.microsoft.com/office/drawing/2014/main" id="{11EFD4C6-9925-F620-E8B6-7C01DE056514}"/>
-              </a:ext>
-            </a:extLst>
-          </p:cNvPr>
-          <p:cNvSpPr txBox="1"/>
-          <p:nvPr/>
-        </p:nvSpPr>
-        <p:spPr>
-          <a:xfrm>
-            <a:off x="4898993" y="2408294"/>
-            <a:ext cx="554960" cy="369332"/>
-          </a:xfrm>
-          <a:prstGeom prst="rect">
-            <a:avLst/>
-          </a:prstGeom>
-          <a:noFill/>
-        </p:spPr>
-        <p:txBody>
-          <a:bodyPr wrap="none" rtlCol="0">
-            <a:spAutoFit/>
-          </a:bodyPr>
-          <a:lstStyle/>
-          <a:p>
-            <a:r>
-              <a:rPr lang="fr-FR" dirty="0"/>
-              <a:t>a=1</a:t>
-            </a:r>
-          </a:p>
-        </p:txBody>
-      </p:sp>
-      <p:cxnSp>
-        <p:nvCxnSpPr>
-          <p:cNvPr id="3" name="Connecteur droit 2">
-            <a:extLst>
-              <a:ext uri="{FF2B5EF4-FFF2-40B4-BE49-F238E27FC236}">
-                <a16:creationId xmlns:a16="http://schemas.microsoft.com/office/drawing/2014/main" id="{23DE7B0C-8502-F6B5-E660-5FD72B5A09FE}"/>
-              </a:ext>
-            </a:extLst>
-          </p:cNvPr>
-          <p:cNvCxnSpPr>
-            <a:cxnSpLocks/>
-          </p:cNvCxnSpPr>
-          <p:nvPr/>
-        </p:nvCxnSpPr>
-        <p:spPr>
-          <a:xfrm>
-            <a:off x="7358196" y="5520821"/>
-            <a:ext cx="1144185" cy="0"/>
-          </a:xfrm>
-          <a:prstGeom prst="line">
-            <a:avLst/>
-          </a:prstGeom>
-          <a:ln>
-            <a:solidFill>
-              <a:srgbClr val="00B050"/>
-            </a:solidFill>
-          </a:ln>
-        </p:spPr>
-        <p:style>
-          <a:lnRef idx="2">
-            <a:schemeClr val="accent1"/>
-          </a:lnRef>
-          <a:fillRef idx="0">
-            <a:schemeClr val="accent1"/>
-          </a:fillRef>
-          <a:effectRef idx="1">
-            <a:schemeClr val="accent1"/>
-          </a:effectRef>
-          <a:fontRef idx="minor">
-            <a:schemeClr val="tx1"/>
-          </a:fontRef>
-        </p:style>
-      </p:cxnSp>
       <p:sp>
         <p:nvSpPr>
           <p:cNvPr id="8" name="ZoneTexte 7">
@@ -6815,93 +6573,6 @@
             <a:r>
               <a:rPr lang="fr-FR" dirty="0"/>
               <a:t> are short)</a:t>
-            </a:r>
-          </a:p>
-        </p:txBody>
-      </p:sp>
-      <p:cxnSp>
-        <p:nvCxnSpPr>
-          <p:cNvPr id="17" name="Connecteur droit 16">
-            <a:extLst>
-              <a:ext uri="{FF2B5EF4-FFF2-40B4-BE49-F238E27FC236}">
-                <a16:creationId xmlns:a16="http://schemas.microsoft.com/office/drawing/2014/main" id="{7C1507BF-0B5D-2784-E044-62172528CED3}"/>
-              </a:ext>
-            </a:extLst>
-          </p:cNvPr>
-          <p:cNvCxnSpPr>
-            <a:cxnSpLocks/>
-          </p:cNvCxnSpPr>
-          <p:nvPr/>
-        </p:nvCxnSpPr>
-        <p:spPr>
-          <a:xfrm>
-            <a:off x="7192536" y="5334016"/>
-            <a:ext cx="1235069" cy="1389268"/>
-          </a:xfrm>
-          <a:prstGeom prst="line">
-            <a:avLst/>
-          </a:prstGeom>
-          <a:ln>
-            <a:solidFill>
-              <a:srgbClr val="00B050"/>
-            </a:solidFill>
-            <a:prstDash val="dash"/>
-          </a:ln>
-        </p:spPr>
-        <p:style>
-          <a:lnRef idx="2">
-            <a:schemeClr val="accent1"/>
-          </a:lnRef>
-          <a:fillRef idx="0">
-            <a:schemeClr val="accent1"/>
-          </a:fillRef>
-          <a:effectRef idx="1">
-            <a:schemeClr val="accent1"/>
-          </a:effectRef>
-          <a:fontRef idx="minor">
-            <a:schemeClr val="tx1"/>
-          </a:fontRef>
-        </p:style>
-      </p:cxnSp>
-      <p:sp>
-        <p:nvSpPr>
-          <p:cNvPr id="22" name="ZoneTexte 21">
-            <a:extLst>
-              <a:ext uri="{FF2B5EF4-FFF2-40B4-BE49-F238E27FC236}">
-                <a16:creationId xmlns:a16="http://schemas.microsoft.com/office/drawing/2014/main" id="{21ADEF6B-1C18-E3AC-69CD-528099A4479A}"/>
-              </a:ext>
-            </a:extLst>
-          </p:cNvPr>
-          <p:cNvSpPr txBox="1"/>
-          <p:nvPr/>
-        </p:nvSpPr>
-        <p:spPr>
-          <a:xfrm>
-            <a:off x="6599462" y="6129916"/>
-            <a:ext cx="1517467" cy="369332"/>
-          </a:xfrm>
-          <a:prstGeom prst="rect">
-            <a:avLst/>
-          </a:prstGeom>
-          <a:noFill/>
-        </p:spPr>
-        <p:txBody>
-          <a:bodyPr wrap="square" rtlCol="0">
-            <a:spAutoFit/>
-          </a:bodyPr>
-          <a:lstStyle/>
-          <a:p>
-            <a:r>
-              <a:rPr lang="fr-FR" dirty="0"/>
-              <a:t>(no stop </a:t>
-            </a:r>
-            <a:r>
-              <a:rPr lang="fr-FR" dirty="0" err="1"/>
-              <a:t>loss</a:t>
-            </a:r>
-            <a:r>
-              <a:rPr lang="fr-FR" dirty="0"/>
-              <a:t>)</a:t>
             </a:r>
           </a:p>
         </p:txBody>
@@ -8875,6 +8546,36 @@
           </a:p>
         </p:txBody>
       </p:sp>
+      <p:pic>
+        <p:nvPicPr>
+          <p:cNvPr id="2" name="Image 1">
+            <a:extLst>
+              <a:ext uri="{FF2B5EF4-FFF2-40B4-BE49-F238E27FC236}">
+                <a16:creationId xmlns:a16="http://schemas.microsoft.com/office/drawing/2014/main" id="{A61A7A17-419B-A1B1-A989-3833CE2CBBAC}"/>
+              </a:ext>
+            </a:extLst>
+          </p:cNvPr>
+          <p:cNvPicPr>
+            <a:picLocks noChangeAspect="1"/>
+          </p:cNvPicPr>
+          <p:nvPr/>
+        </p:nvPicPr>
+        <p:blipFill>
+          <a:blip r:embed="rId2"/>
+          <a:stretch>
+            <a:fillRect/>
+          </a:stretch>
+        </p:blipFill>
+        <p:spPr>
+          <a:xfrm>
+            <a:off x="239802" y="1997765"/>
+            <a:ext cx="11481840" cy="3790121"/>
+          </a:xfrm>
+          <a:prstGeom prst="rect">
+            <a:avLst/>
+          </a:prstGeom>
+        </p:spPr>
+      </p:pic>
     </p:spTree>
     <p:extLst>
       <p:ext uri="{BB962C8B-B14F-4D97-AF65-F5344CB8AC3E}">
